--- a/database/slides/TAKE_AND_EAT_FOR_THIS_IS_MY_BODY.pptx
+++ b/database/slides/TAKE_AND_EAT_FOR_THIS_IS_MY_BODY.pptx
@@ -15908,7 +15908,13 @@
       </p:sp>
       <p:sp>
         <p:nvSpPr>
-          <p:cNvPr id="131" name="Google Shape;131;p25"/>
+          <p:cNvPr id="2" name="Google Shape;131;p25">
+            <a:extLst>
+              <a:ext uri="{FF2B5EF4-FFF2-40B4-BE49-F238E27FC236}">
+                <a16:creationId xmlns:a16="http://schemas.microsoft.com/office/drawing/2014/main" id="{533E11D4-0811-FF40-EF27-27E1249D4000}"/>
+              </a:ext>
+            </a:extLst>
+          </p:cNvPr>
           <p:cNvSpPr txBox="1"/>
           <p:nvPr/>
         </p:nvSpPr>
@@ -15931,11 +15937,19 @@
           </a:bodyPr>
           <a:lstStyle/>
           <a:p>
-            <a:pPr>
+            <a:pPr marL="0" lvl="0" indent="0" algn="l" rtl="0">
+              <a:spcBef>
+                <a:spcPts val="0"/>
+              </a:spcBef>
+              <a:spcAft>
+                <a:spcPts val="0"/>
+              </a:spcAft>
               <a:buClr>
                 <a:schemeClr val="lt1"/>
               </a:buClr>
               <a:buSzPts val="3200"/>
+              <a:buFont typeface="Arial"/>
+              <a:buNone/>
             </a:pPr>
             <a:r>
               <a:rPr lang="en-GB" sz="3600" b="1" i="1" dirty="0">
@@ -15949,7 +15963,7 @@
               </a:rPr>
               <a:t>contd..</a:t>
             </a:r>
-            <a:endParaRPr lang="en-GB" sz="3600" dirty="0">
+            <a:endParaRPr sz="3600" dirty="0">
               <a:latin typeface="Calibri"/>
               <a:ea typeface="Calibri"/>
               <a:cs typeface="Calibri"/>
@@ -16263,7 +16277,13 @@
       </p:sp>
       <p:sp>
         <p:nvSpPr>
-          <p:cNvPr id="131" name="Google Shape;131;p25"/>
+          <p:cNvPr id="2" name="Google Shape;131;p25">
+            <a:extLst>
+              <a:ext uri="{FF2B5EF4-FFF2-40B4-BE49-F238E27FC236}">
+                <a16:creationId xmlns:a16="http://schemas.microsoft.com/office/drawing/2014/main" id="{29DC778F-6D72-A522-F1C7-BCFBA6B4E7DA}"/>
+              </a:ext>
+            </a:extLst>
+          </p:cNvPr>
           <p:cNvSpPr txBox="1"/>
           <p:nvPr/>
         </p:nvSpPr>
@@ -16286,11 +16306,19 @@
           </a:bodyPr>
           <a:lstStyle/>
           <a:p>
-            <a:pPr>
+            <a:pPr marL="0" lvl="0" indent="0" algn="l" rtl="0">
+              <a:spcBef>
+                <a:spcPts val="0"/>
+              </a:spcBef>
+              <a:spcAft>
+                <a:spcPts val="0"/>
+              </a:spcAft>
               <a:buClr>
                 <a:schemeClr val="lt1"/>
               </a:buClr>
               <a:buSzPts val="3200"/>
+              <a:buFont typeface="Arial"/>
+              <a:buNone/>
             </a:pPr>
             <a:r>
               <a:rPr lang="en-GB" sz="3600" b="1" i="1" dirty="0">
@@ -16304,7 +16332,7 @@
               </a:rPr>
               <a:t>contd..</a:t>
             </a:r>
-            <a:endParaRPr lang="en-GB" sz="3600" dirty="0">
+            <a:endParaRPr sz="3600" dirty="0">
               <a:latin typeface="Calibri"/>
               <a:ea typeface="Calibri"/>
               <a:cs typeface="Calibri"/>

--- a/database/slides/TAKE_AND_EAT_FOR_THIS_IS_MY_BODY.pptx
+++ b/database/slides/TAKE_AND_EAT_FOR_THIS_IS_MY_BODY.pptx
@@ -15901,7 +15901,29 @@
                 <a:ea typeface="Calibri" panose="020F0502020204030204" pitchFamily="34" charset="0"/>
                 <a:cs typeface="Calibri" panose="020F0502020204030204" pitchFamily="34" charset="0"/>
               </a:rPr>
-              <a:t>Food and drink he offers all out sins to heal.</a:t>
+              <a:t>Food and drink he offers </a:t>
+            </a:r>
+            <a:r>
+              <a:rPr lang="en-GB" sz="3600" b="1">
+                <a:solidFill>
+                  <a:schemeClr val="bg1"/>
+                </a:solidFill>
+                <a:latin typeface="Calibri" panose="020F0502020204030204" pitchFamily="34" charset="0"/>
+                <a:ea typeface="Calibri" panose="020F0502020204030204" pitchFamily="34" charset="0"/>
+                <a:cs typeface="Calibri" panose="020F0502020204030204" pitchFamily="34" charset="0"/>
+              </a:rPr>
+              <a:t>all our </a:t>
+            </a:r>
+            <a:r>
+              <a:rPr lang="en-GB" sz="3600" b="1" dirty="0">
+                <a:solidFill>
+                  <a:schemeClr val="bg1"/>
+                </a:solidFill>
+                <a:latin typeface="Calibri" panose="020F0502020204030204" pitchFamily="34" charset="0"/>
+                <a:ea typeface="Calibri" panose="020F0502020204030204" pitchFamily="34" charset="0"/>
+                <a:cs typeface="Calibri" panose="020F0502020204030204" pitchFamily="34" charset="0"/>
+              </a:rPr>
+              <a:t>sins to heal.</a:t>
             </a:r>
           </a:p>
         </p:txBody>

--- a/database/slides/TAKE_AND_EAT_FOR_THIS_IS_MY_BODY.pptx
+++ b/database/slides/TAKE_AND_EAT_FOR_THIS_IS_MY_BODY.pptx
@@ -15749,6 +15749,17 @@
               <a:buNone/>
             </a:pPr>
             <a:r>
+              <a:rPr lang="en-GB" sz="3600" b="1">
+                <a:solidFill>
+                  <a:schemeClr val="bg1"/>
+                </a:solidFill>
+                <a:latin typeface="Calibri" panose="020F0502020204030204" pitchFamily="34" charset="0"/>
+                <a:ea typeface="Calibri" panose="020F0502020204030204" pitchFamily="34" charset="0"/>
+                <a:cs typeface="Calibri" panose="020F0502020204030204" pitchFamily="34" charset="0"/>
+              </a:rPr>
+              <a:t>Join in </a:t>
+            </a:r>
+            <a:r>
               <a:rPr lang="en-GB" sz="3600" b="1" dirty="0">
                 <a:solidFill>
                   <a:schemeClr val="bg1"/>
@@ -15757,7 +15768,7 @@
                 <a:ea typeface="Calibri" panose="020F0502020204030204" pitchFamily="34" charset="0"/>
                 <a:cs typeface="Calibri" panose="020F0502020204030204" pitchFamily="34" charset="0"/>
               </a:rPr>
-              <a:t>Join In celebration of the words he said:</a:t>
+              <a:t>celebration of the words he said:</a:t>
             </a:r>
           </a:p>
           <a:p>
@@ -15901,29 +15912,7 @@
                 <a:ea typeface="Calibri" panose="020F0502020204030204" pitchFamily="34" charset="0"/>
                 <a:cs typeface="Calibri" panose="020F0502020204030204" pitchFamily="34" charset="0"/>
               </a:rPr>
-              <a:t>Food and drink he offers </a:t>
-            </a:r>
-            <a:r>
-              <a:rPr lang="en-GB" sz="3600" b="1">
-                <a:solidFill>
-                  <a:schemeClr val="bg1"/>
-                </a:solidFill>
-                <a:latin typeface="Calibri" panose="020F0502020204030204" pitchFamily="34" charset="0"/>
-                <a:ea typeface="Calibri" panose="020F0502020204030204" pitchFamily="34" charset="0"/>
-                <a:cs typeface="Calibri" panose="020F0502020204030204" pitchFamily="34" charset="0"/>
-              </a:rPr>
-              <a:t>all our </a:t>
-            </a:r>
-            <a:r>
-              <a:rPr lang="en-GB" sz="3600" b="1" dirty="0">
-                <a:solidFill>
-                  <a:schemeClr val="bg1"/>
-                </a:solidFill>
-                <a:latin typeface="Calibri" panose="020F0502020204030204" pitchFamily="34" charset="0"/>
-                <a:ea typeface="Calibri" panose="020F0502020204030204" pitchFamily="34" charset="0"/>
-                <a:cs typeface="Calibri" panose="020F0502020204030204" pitchFamily="34" charset="0"/>
-              </a:rPr>
-              <a:t>sins to heal.</a:t>
+              <a:t>Food and drink he offers all our sins to heal.</a:t>
             </a:r>
           </a:p>
         </p:txBody>
